--- a/midterm_slide.pptx
+++ b/midterm_slide.pptx
@@ -3583,6 +3583,17 @@
 <file path=ppt/slides/slide1.xml><?xml version="1.0" encoding="utf-8"?>
 <p:sld xmlns:a="http://schemas.openxmlformats.org/drawingml/2006/main" xmlns:r="http://schemas.openxmlformats.org/officeDocument/2006/relationships" xmlns:p="http://schemas.openxmlformats.org/presentationml/2006/main">
   <p:cSld>
+    <p:bg>
+      <p:bgPr>
+        <a:blipFill rotWithShape="1">
+          <a:blip r:embed="rId1"/>
+          <a:stretch>
+            <a:fillRect/>
+          </a:stretch>
+        </a:blipFill>
+        <a:effectLst/>
+      </p:bgPr>
+    </p:bg>
     <p:spTree>
       <p:nvGrpSpPr>
         <p:cNvPr id="1" name=""/>
@@ -3607,7 +3618,12 @@
             <p:ph type="ctrTitle"/>
           </p:nvPr>
         </p:nvSpPr>
-        <p:spPr/>
+        <p:spPr>
+          <a:xfrm>
+            <a:off x="1524000" y="985777"/>
+            <a:ext cx="9144000" cy="2187001"/>
+          </a:xfrm>
+        </p:spPr>
         <p:txBody>
           <a:bodyPr>
             <a:normAutofit fontScale="90000"/>
@@ -3616,23 +3632,41 @@
           <a:p>
             <a:pPr algn="ctr"/>
             <a:r>
-              <a:rPr lang="en-US" altLang="zh-CN" dirty="0">
+              <a:rPr lang="en-US" altLang="zh-CN" sz="7300" b="1" dirty="0">
+                <a:solidFill>
+                  <a:schemeClr val="tx1"/>
+                </a:solidFill>
                 <a:effectLst/>
               </a:rPr>
               <a:t>Amazon Reviews</a:t>
             </a:r>
             <a:br>
               <a:rPr lang="en-US" altLang="zh-CN" dirty="0">
+                <a:solidFill>
+                  <a:schemeClr val="tx1"/>
+                </a:solidFill>
                 <a:effectLst/>
               </a:rPr>
             </a:br>
             <a:r>
-              <a:rPr lang="en-US" altLang="zh-CN" sz="4000" dirty="0">
+              <a:rPr lang="en-US" altLang="zh-CN" sz="4000" b="1" dirty="0">
+                <a:solidFill>
+                  <a:schemeClr val="tx1">
+                    <a:lumMod val="75000"/>
+                    <a:lumOff val="25000"/>
+                  </a:schemeClr>
+                </a:solidFill>
                 <a:effectLst/>
               </a:rPr>
-              <a:t>from Cell Phones &amp; Accessories Category</a:t>
-            </a:r>
-            <a:endParaRPr lang="en-US" altLang="zh-CN" sz="4000" dirty="0">
+              <a:t>Subset of Amazon reviewsfrom Cell Phones &amp; Accessories Category</a:t>
+            </a:r>
+            <a:endParaRPr lang="en-US" altLang="zh-CN" sz="4000" b="1" dirty="0">
+              <a:solidFill>
+                <a:schemeClr val="tx1">
+                  <a:lumMod val="75000"/>
+                  <a:lumOff val="25000"/>
+                </a:schemeClr>
+              </a:solidFill>
               <a:effectLst/>
             </a:endParaRPr>
           </a:p>
@@ -3648,18 +3682,23 @@
             <p:ph type="subTitle" idx="1"/>
           </p:nvPr>
         </p:nvSpPr>
-        <p:spPr/>
+        <p:spPr>
+          <a:xfrm>
+            <a:off x="1524000" y="4137343"/>
+            <a:ext cx="9144000" cy="1655762"/>
+          </a:xfrm>
+        </p:spPr>
         <p:txBody>
           <a:bodyPr/>
           <a:lstStyle/>
           <a:p>
             <a:r>
-              <a:rPr lang="en-US" altLang="zh-CN" dirty="0">
+              <a:rPr lang="en-US" altLang="zh-CN" b="1" dirty="0">
                 <a:latin typeface="+mn-lt"/>
               </a:rPr>
               <a:t>Keqing Liu</a:t>
             </a:r>
-            <a:endParaRPr lang="en-US" altLang="zh-CN" dirty="0">
+            <a:endParaRPr lang="en-US" altLang="zh-CN" b="1" dirty="0">
               <a:latin typeface="+mn-lt"/>
             </a:endParaRPr>
           </a:p>
@@ -3886,8 +3925,8 @@
         </p:nvSpPr>
         <p:spPr>
           <a:xfrm>
-            <a:off x="183515" y="5460365"/>
-            <a:ext cx="10846435" cy="1938020"/>
+            <a:off x="133350" y="1631950"/>
+            <a:ext cx="11398250" cy="1938020"/>
           </a:xfrm>
           <a:prstGeom prst="rect">
             <a:avLst/>
@@ -3983,7 +4022,7 @@
         </p:blipFill>
         <p:spPr>
           <a:xfrm>
-            <a:off x="183515" y="2871470"/>
+            <a:off x="233680" y="4132580"/>
             <a:ext cx="6217920" cy="2588895"/>
           </a:xfrm>
           <a:prstGeom prst="rect">
@@ -4007,7 +4046,7 @@
         </p:blipFill>
         <p:spPr>
           <a:xfrm>
-            <a:off x="0" y="836295"/>
+            <a:off x="0" y="1068705"/>
             <a:ext cx="12192000" cy="547370"/>
           </a:xfrm>
           <a:prstGeom prst="rect">
@@ -4031,7 +4070,7 @@
         </p:blipFill>
         <p:spPr>
           <a:xfrm>
-            <a:off x="0" y="1654175"/>
+            <a:off x="0" y="3192780"/>
             <a:ext cx="10624185" cy="946785"/>
           </a:xfrm>
           <a:prstGeom prst="rect">
@@ -4047,7 +4086,7 @@
         </p:nvSpPr>
         <p:spPr>
           <a:xfrm>
-            <a:off x="3052445" y="1683385"/>
+            <a:off x="3086735" y="3209290"/>
             <a:ext cx="6017895" cy="880110"/>
           </a:xfrm>
           <a:prstGeom prst="rect">
@@ -4698,7 +4737,7 @@
         <p:spPr>
           <a:xfrm>
             <a:off x="422910" y="1068705"/>
-            <a:ext cx="11346180" cy="4523105"/>
+            <a:ext cx="11346180" cy="5692775"/>
           </a:xfrm>
           <a:prstGeom prst="rect">
             <a:avLst/>
@@ -4715,10 +4754,10 @@
               <a:buChar char="•"/>
             </a:pPr>
             <a:r>
-              <a:rPr lang="en-US" sz="3200"/>
-              <a:t>From 2004-2014, review counts rose sharply and the average rating increased to about 4.</a:t>
-            </a:r>
-            <a:endParaRPr lang="en-US" sz="3200"/>
+              <a:rPr lang="en-US" sz="2800"/>
+              <a:t>From 2004-2014, review counts rose with an average rating of around 4.</a:t>
+            </a:r>
+            <a:endParaRPr lang="en-US" sz="2800"/>
           </a:p>
           <a:p>
             <a:pPr marL="342900" indent="-342900">
@@ -4726,10 +4765,10 @@
               <a:buChar char="•"/>
             </a:pPr>
             <a:r>
-              <a:rPr lang="en-US" sz="3200"/>
-              <a:t>Nearly half of reviews show negative sentiments, revealing deeper purchase experience insights.</a:t>
-            </a:r>
-            <a:endParaRPr lang="en-US" sz="3200"/>
+              <a:rPr lang="en-US" sz="2800"/>
+              <a:t>Nearly half of reviews show negative sentiments, revealing deeper purchase insights.</a:t>
+            </a:r>
+            <a:endParaRPr lang="en-US" sz="2800"/>
           </a:p>
           <a:p>
             <a:pPr marL="342900" indent="-342900">
@@ -4737,10 +4776,10 @@
               <a:buChar char="•"/>
             </a:pPr>
             <a:r>
-              <a:rPr lang="en-US" sz="3200"/>
+              <a:rPr lang="en-US" sz="2800"/>
               <a:t>Overall rating positively correlates with polarity.</a:t>
             </a:r>
-            <a:endParaRPr lang="en-US" sz="3200"/>
+            <a:endParaRPr lang="en-US" sz="2800"/>
           </a:p>
           <a:p>
             <a:pPr marL="342900" indent="-342900">
@@ -4748,10 +4787,28 @@
               <a:buChar char="•"/>
             </a:pPr>
             <a:r>
-              <a:rPr lang="en-US" sz="3200"/>
-              <a:t>Both high and low rating groups frequently mention terms like 'battery' and 'price', suggesting these aspects are important for them. They tend to view terms like'button' negatively, but terms like 'charge' positively.</a:t>
-            </a:r>
-            <a:endParaRPr lang="en-US" sz="3200"/>
+              <a:rPr lang="en-US" sz="2800"/>
+              <a:t>Both high and low rating groups frequently mention terms like 'battery' and 'price', suggesting these aspects are important. They are likely to view terms like'button' negatively, but terms like 'charge' positively.</a:t>
+            </a:r>
+            <a:endParaRPr lang="en-US" sz="2800"/>
+          </a:p>
+          <a:p>
+            <a:pPr marL="342900" indent="-342900">
+              <a:buFont typeface="Arial" panose="020B0604020202020204" pitchFamily="34" charset="0"/>
+              <a:buChar char="•"/>
+            </a:pPr>
+            <a:r>
+              <a:rPr lang="en-US" sz="2800"/>
+              <a:t>Speculation: People might be inclined to give a product a positive rating but point out minor issues or areas of improvement in the reviews.</a:t>
+            </a:r>
+            <a:endParaRPr lang="en-US" sz="2800"/>
+          </a:p>
+          <a:p>
+            <a:pPr marL="342900" indent="-342900">
+              <a:buFont typeface="Arial" panose="020B0604020202020204" pitchFamily="34" charset="0"/>
+              <a:buChar char="•"/>
+            </a:pPr>
+            <a:endParaRPr lang="en-US" sz="2800"/>
           </a:p>
         </p:txBody>
       </p:sp>

--- a/midterm_slide.pptx
+++ b/midterm_slide.pptx
@@ -3658,7 +3658,7 @@
                 </a:solidFill>
                 <a:effectLst/>
               </a:rPr>
-              <a:t>Subset of Amazon reviewsfrom Cell Phones &amp; Accessories Category</a:t>
+              <a:t>Subset of Amazon reviews from Cell Phones &amp; Accessories Category</a:t>
             </a:r>
             <a:endParaRPr lang="en-US" altLang="zh-CN" sz="4000" b="1" dirty="0">
               <a:solidFill>
@@ -4755,7 +4755,7 @@
             </a:pPr>
             <a:r>
               <a:rPr lang="en-US" sz="2800"/>
-              <a:t>From 2004-2014, review counts rose with an average rating of around 4.</a:t>
+              <a:t>From 2004-2014, both review counts and the average rating increased. The rating eventually stabilized around 4.</a:t>
             </a:r>
             <a:endParaRPr lang="en-US" sz="2800"/>
           </a:p>

--- a/midterm_slide.pptx
+++ b/midterm_slide.pptx
@@ -4766,7 +4766,7 @@
             </a:pPr>
             <a:r>
               <a:rPr lang="en-US" sz="2800"/>
-              <a:t>Nearly half of reviews show negative sentiments, revealing deeper purchase insights.</a:t>
+              <a:t>Nearly half of reviews show not positive sentiments, revealing deeper purchase insights.</a:t>
             </a:r>
             <a:endParaRPr lang="en-US" sz="2800"/>
           </a:p>
